--- a/UI-UX Design/Exercício de Fixação-60-30-10.pptx
+++ b/UI-UX Design/Exercício de Fixação-60-30-10.pptx
@@ -12779,7 +12779,7 @@
         <p:spPr>
           <a:xfrm>
             <a:off x="1055716" y="3956652"/>
-            <a:ext cx="872355" cy="307777"/>
+            <a:ext cx="971741" cy="307777"/>
           </a:xfrm>
           <a:prstGeom prst="rect">
             <a:avLst/>
@@ -12794,7 +12794,7 @@
           <a:p>
             <a:r>
               <a:rPr lang="pt-BR" dirty="0"/>
-              <a:t>C9C9C9</a:t>
+              <a:t>#C9C9C9</a:t>
             </a:r>
           </a:p>
         </p:txBody>
@@ -12849,7 +12849,7 @@
         <p:spPr>
           <a:xfrm>
             <a:off x="5411584" y="3956651"/>
-            <a:ext cx="780983" cy="307777"/>
+            <a:ext cx="942887" cy="307777"/>
           </a:xfrm>
           <a:prstGeom prst="rect">
             <a:avLst/>
@@ -12864,7 +12864,7 @@
           <a:p>
             <a:r>
               <a:rPr lang="pt-BR" dirty="0"/>
-              <a:t>a3a3a3</a:t>
+              <a:t>#A3A3A3</a:t>
             </a:r>
           </a:p>
         </p:txBody>
